--- a/files/Headers.pptx
+++ b/files/Headers.pptx
@@ -5,17 +5,17 @@
     <p:sldMasterId id="2147483648" r:id="rId1"/>
   </p:sldMasterIdLst>
   <p:notesMasterIdLst>
-    <p:notesMasterId r:id="rId5"/>
+    <p:notesMasterId r:id="rId4"/>
   </p:notesMasterIdLst>
   <p:handoutMasterIdLst>
-    <p:handoutMasterId r:id="rId6"/>
+    <p:handoutMasterId r:id="rId5"/>
   </p:handoutMasterIdLst>
   <p:sldIdLst>
-    <p:sldId id="256" r:id="rId3"/>
-    <p:sldId id="257" r:id="rId4"/>
+    <p:sldId id="256" r:id="rId2"/>
+    <p:sldId id="257" r:id="rId3"/>
   </p:sldIdLst>
   <p:sldSz cx="12192000" cy="6858000"/>
-  <p:notesSz cx="7103745" cy="10234295"/>
+  <p:notesSz cx="7104063" cy="10234613"/>
   <p:defaultTextStyle>
     <a:defPPr>
       <a:defRPr lang="zh-CN"/>
@@ -212,6 +212,7 @@
           <a:p>
             <a:fld id="{0F9B84EA-7D68-4D60-9CB1-D50884785D1C}" type="datetimeFigureOut">
               <a:rPr lang="zh-CN" altLang="en-US" smtClean="0"/>
+              <a:t>2025/10/26</a:t>
             </a:fld>
             <a:endParaRPr lang="zh-CN" altLang="en-US"/>
           </a:p>
@@ -277,12 +278,18 @@
           <a:p>
             <a:fld id="{8D4E0FC9-F1F8-4FAE-9988-3BA365CFD46F}" type="slidenum">
               <a:rPr lang="zh-CN" altLang="en-US" smtClean="0"/>
+              <a:t>‹#›</a:t>
             </a:fld>
             <a:endParaRPr lang="zh-CN" altLang="en-US"/>
           </a:p>
         </p:txBody>
       </p:sp>
     </p:spTree>
+    <p:extLst>
+      <p:ext uri="{BB962C8B-B14F-4D97-AF65-F5344CB8AC3E}">
+        <p14:creationId xmlns:p14="http://schemas.microsoft.com/office/powerpoint/2010/main" val="1"/>
+      </p:ext>
+    </p:extLst>
   </p:cSld>
   <p:clrMap bg1="lt1" tx1="dk1" bg2="lt2" tx2="dk2" accent1="accent1" accent2="accent2" accent3="accent3" accent4="accent4" accent5="accent5" accent6="accent6" hlink="hlink" folHlink="folHlink"/>
 </p:handoutMaster>
@@ -370,6 +377,7 @@
           <a:p>
             <a:fld id="{D6C8D182-E4C8-4120-9249-FC9774456FFA}" type="datetimeFigureOut">
               <a:rPr lang="zh-CN" altLang="en-US" smtClean="0"/>
+              <a:t>2025/10/26</a:t>
             </a:fld>
             <a:endParaRPr lang="zh-CN" altLang="en-US"/>
           </a:p>
@@ -436,7 +444,6 @@
               <a:rPr lang="zh-CN" altLang="en-US"/>
               <a:t>编辑母版文本样式</a:t>
             </a:r>
-            <a:endParaRPr lang="zh-CN" altLang="en-US"/>
           </a:p>
           <a:p>
             <a:pPr lvl="1"/>
@@ -444,7 +451,6 @@
               <a:rPr lang="zh-CN" altLang="en-US"/>
               <a:t>第二级</a:t>
             </a:r>
-            <a:endParaRPr lang="zh-CN" altLang="en-US"/>
           </a:p>
           <a:p>
             <a:pPr lvl="2"/>
@@ -452,7 +458,6 @@
               <a:rPr lang="zh-CN" altLang="en-US"/>
               <a:t>第三级</a:t>
             </a:r>
-            <a:endParaRPr lang="zh-CN" altLang="en-US"/>
           </a:p>
           <a:p>
             <a:pPr lvl="3"/>
@@ -460,7 +465,6 @@
               <a:rPr lang="zh-CN" altLang="en-US"/>
               <a:t>第四级</a:t>
             </a:r>
-            <a:endParaRPr lang="zh-CN" altLang="en-US"/>
           </a:p>
           <a:p>
             <a:pPr lvl="4"/>
@@ -468,7 +472,6 @@
               <a:rPr lang="zh-CN" altLang="en-US"/>
               <a:t>第五级</a:t>
             </a:r>
-            <a:endParaRPr lang="zh-CN" altLang="en-US"/>
           </a:p>
         </p:txBody>
       </p:sp>
@@ -532,6 +535,7 @@
           <a:p>
             <a:fld id="{85D0DACE-38E0-42D2-9336-2B707D34BC6D}" type="slidenum">
               <a:rPr lang="zh-CN" altLang="en-US" smtClean="0"/>
+              <a:t>‹#›</a:t>
             </a:fld>
             <a:endParaRPr lang="zh-CN" altLang="en-US"/>
           </a:p>
@@ -690,7 +694,6 @@
               <a:rPr lang="zh-CN" altLang="en-US" dirty="0"/>
               <a:t>单击此处添加标题</a:t>
             </a:r>
-            <a:endParaRPr lang="zh-CN" altLang="en-US" dirty="0"/>
           </a:p>
         </p:txBody>
       </p:sp>
@@ -711,6 +714,7 @@
           <a:p>
             <a:fld id="{760FBDFE-C587-4B4C-A407-44438C67B59E}" type="datetimeFigureOut">
               <a:rPr lang="zh-CN" altLang="en-US" smtClean="0"/>
+              <a:t>2025/10/26</a:t>
             </a:fld>
             <a:endParaRPr lang="zh-CN" altLang="en-US"/>
           </a:p>
@@ -752,6 +756,7 @@
           <a:p>
             <a:fld id="{49AE70B2-8BF9-45C0-BB95-33D1B9D3A854}" type="slidenum">
               <a:rPr lang="zh-CN" altLang="en-US" smtClean="0"/>
+              <a:t>‹#›</a:t>
             </a:fld>
             <a:endParaRPr lang="zh-CN" altLang="en-US"/>
           </a:p>
@@ -830,7 +835,6 @@
               <a:rPr lang="zh-CN" altLang="en-US" dirty="0"/>
               <a:t>单击此处添加副标题</a:t>
             </a:r>
-            <a:endParaRPr lang="zh-CN" altLang="en-US" dirty="0"/>
           </a:p>
         </p:txBody>
       </p:sp>
@@ -876,6 +880,7 @@
           <a:p>
             <a:fld id="{760FBDFE-C587-4B4C-A407-44438C67B59E}" type="datetimeFigureOut">
               <a:rPr lang="zh-CN" altLang="en-US" smtClean="0"/>
+              <a:t>2025/10/26</a:t>
             </a:fld>
             <a:endParaRPr lang="zh-CN" altLang="en-US"/>
           </a:p>
@@ -917,6 +922,7 @@
           <a:p>
             <a:fld id="{49AE70B2-8BF9-45C0-BB95-33D1B9D3A854}" type="slidenum">
               <a:rPr lang="zh-CN" altLang="en-US" smtClean="0"/>
+              <a:t>‹#›</a:t>
             </a:fld>
             <a:endParaRPr lang="zh-CN" altLang="en-US"/>
           </a:p>
@@ -947,7 +953,6 @@
               <a:rPr lang="zh-CN" altLang="en-US" dirty="0"/>
               <a:t>单击此处编辑母版文本样式</a:t>
             </a:r>
-            <a:endParaRPr lang="zh-CN" altLang="en-US" dirty="0"/>
           </a:p>
           <a:p>
             <a:pPr lvl="1"/>
@@ -955,7 +960,6 @@
               <a:rPr lang="zh-CN" altLang="en-US" dirty="0"/>
               <a:t>第二级</a:t>
             </a:r>
-            <a:endParaRPr lang="zh-CN" altLang="en-US" dirty="0"/>
           </a:p>
           <a:p>
             <a:pPr lvl="2"/>
@@ -963,7 +967,6 @@
               <a:rPr lang="zh-CN" altLang="en-US" dirty="0"/>
               <a:t>第三级</a:t>
             </a:r>
-            <a:endParaRPr lang="zh-CN" altLang="en-US" dirty="0"/>
           </a:p>
           <a:p>
             <a:pPr lvl="3"/>
@@ -971,7 +974,6 @@
               <a:rPr lang="zh-CN" altLang="en-US" dirty="0"/>
               <a:t>第四级</a:t>
             </a:r>
-            <a:endParaRPr lang="zh-CN" altLang="en-US" dirty="0"/>
           </a:p>
           <a:p>
             <a:pPr lvl="4"/>
@@ -979,7 +981,6 @@
               <a:rPr lang="zh-CN" altLang="en-US" dirty="0"/>
               <a:t>第五级</a:t>
             </a:r>
-            <a:endParaRPr lang="zh-CN" altLang="en-US" dirty="0"/>
           </a:p>
         </p:txBody>
       </p:sp>
@@ -1046,7 +1047,6 @@
               <a:rPr lang="zh-CN" altLang="en-US" dirty="0"/>
               <a:t>单击此处编辑母版标题样式</a:t>
             </a:r>
-            <a:endParaRPr lang="zh-CN" altLang="en-US" dirty="0"/>
           </a:p>
         </p:txBody>
       </p:sp>
@@ -1128,7 +1128,6 @@
               <a:rPr lang="zh-CN" altLang="en-US" dirty="0"/>
               <a:t>单击此处编辑母版文本样式</a:t>
             </a:r>
-            <a:endParaRPr lang="zh-CN" altLang="en-US" dirty="0"/>
           </a:p>
           <a:p>
             <a:pPr lvl="1"/>
@@ -1136,7 +1135,6 @@
               <a:rPr lang="zh-CN" altLang="en-US" dirty="0"/>
               <a:t>第二级</a:t>
             </a:r>
-            <a:endParaRPr lang="zh-CN" altLang="en-US" dirty="0"/>
           </a:p>
           <a:p>
             <a:pPr lvl="2"/>
@@ -1144,7 +1142,6 @@
               <a:rPr lang="zh-CN" altLang="en-US" dirty="0"/>
               <a:t>第三级</a:t>
             </a:r>
-            <a:endParaRPr lang="zh-CN" altLang="en-US" dirty="0"/>
           </a:p>
           <a:p>
             <a:pPr lvl="3"/>
@@ -1152,7 +1149,6 @@
               <a:rPr lang="zh-CN" altLang="en-US" dirty="0"/>
               <a:t>第四级</a:t>
             </a:r>
-            <a:endParaRPr lang="zh-CN" altLang="en-US" dirty="0"/>
           </a:p>
           <a:p>
             <a:pPr lvl="4"/>
@@ -1160,7 +1156,6 @@
               <a:rPr lang="zh-CN" altLang="en-US" dirty="0"/>
               <a:t>第五级</a:t>
             </a:r>
-            <a:endParaRPr lang="zh-CN" altLang="en-US" dirty="0"/>
           </a:p>
         </p:txBody>
       </p:sp>
@@ -1181,6 +1176,7 @@
           <a:p>
             <a:fld id="{760FBDFE-C587-4B4C-A407-44438C67B59E}" type="datetimeFigureOut">
               <a:rPr lang="zh-CN" altLang="en-US" smtClean="0"/>
+              <a:t>2025/10/26</a:t>
             </a:fld>
             <a:endParaRPr lang="zh-CN" altLang="en-US"/>
           </a:p>
@@ -1222,6 +1218,7 @@
           <a:p>
             <a:fld id="{49AE70B2-8BF9-45C0-BB95-33D1B9D3A854}" type="slidenum">
               <a:rPr lang="zh-CN" altLang="en-US" smtClean="0"/>
+              <a:t>‹#›</a:t>
             </a:fld>
             <a:endParaRPr lang="zh-CN" altLang="en-US"/>
           </a:p>
@@ -1290,7 +1287,6 @@
               <a:rPr lang="zh-CN" altLang="en-US" dirty="0"/>
               <a:t>单击此处编辑母版标题样式</a:t>
             </a:r>
-            <a:endParaRPr lang="zh-CN" altLang="en-US" dirty="0"/>
           </a:p>
         </p:txBody>
       </p:sp>
@@ -1410,7 +1406,6 @@
               <a:rPr lang="zh-CN" altLang="en-US" dirty="0"/>
               <a:t>单击此处编辑母版文本样式</a:t>
             </a:r>
-            <a:endParaRPr lang="zh-CN" altLang="en-US" dirty="0"/>
           </a:p>
         </p:txBody>
       </p:sp>
@@ -1431,6 +1426,7 @@
           <a:p>
             <a:fld id="{760FBDFE-C587-4B4C-A407-44438C67B59E}" type="datetimeFigureOut">
               <a:rPr lang="zh-CN" altLang="en-US" smtClean="0"/>
+              <a:t>2025/10/26</a:t>
             </a:fld>
             <a:endParaRPr lang="zh-CN" altLang="en-US"/>
           </a:p>
@@ -1472,6 +1468,7 @@
           <a:p>
             <a:fld id="{49AE70B2-8BF9-45C0-BB95-33D1B9D3A854}" type="slidenum">
               <a:rPr lang="zh-CN" altLang="en-US" smtClean="0"/>
+              <a:t>‹#›</a:t>
             </a:fld>
             <a:endParaRPr lang="zh-CN" altLang="en-US"/>
           </a:p>
@@ -1540,7 +1537,6 @@
               <a:rPr lang="zh-CN" altLang="en-US" dirty="0"/>
               <a:t>单击此处编辑母版标题样式</a:t>
             </a:r>
-            <a:endParaRPr lang="zh-CN" altLang="en-US" dirty="0"/>
           </a:p>
         </p:txBody>
       </p:sp>
@@ -1637,7 +1633,6 @@
               <a:rPr lang="zh-CN" altLang="en-US" dirty="0"/>
               <a:t>单击此处编辑母版文本样式</a:t>
             </a:r>
-            <a:endParaRPr lang="zh-CN" altLang="en-US" dirty="0"/>
           </a:p>
           <a:p>
             <a:pPr lvl="1"/>
@@ -1645,7 +1640,6 @@
               <a:rPr lang="zh-CN" altLang="en-US" dirty="0"/>
               <a:t>第二级</a:t>
             </a:r>
-            <a:endParaRPr lang="zh-CN" altLang="en-US" dirty="0"/>
           </a:p>
           <a:p>
             <a:pPr lvl="2"/>
@@ -1653,7 +1647,6 @@
               <a:rPr lang="zh-CN" altLang="en-US" dirty="0"/>
               <a:t>第三级</a:t>
             </a:r>
-            <a:endParaRPr lang="zh-CN" altLang="en-US" dirty="0"/>
           </a:p>
           <a:p>
             <a:pPr lvl="3"/>
@@ -1661,7 +1654,6 @@
               <a:rPr lang="zh-CN" altLang="en-US" dirty="0"/>
               <a:t>第四级</a:t>
             </a:r>
-            <a:endParaRPr lang="zh-CN" altLang="en-US" dirty="0"/>
           </a:p>
           <a:p>
             <a:pPr lvl="4"/>
@@ -1669,7 +1661,6 @@
               <a:rPr lang="zh-CN" altLang="en-US" dirty="0"/>
               <a:t>第五级</a:t>
             </a:r>
-            <a:endParaRPr lang="zh-CN" altLang="en-US" dirty="0"/>
           </a:p>
         </p:txBody>
       </p:sp>
@@ -1766,7 +1757,6 @@
               <a:rPr lang="zh-CN" altLang="en-US" dirty="0"/>
               <a:t>单击此处编辑母版文本样式</a:t>
             </a:r>
-            <a:endParaRPr lang="zh-CN" altLang="en-US" dirty="0"/>
           </a:p>
           <a:p>
             <a:pPr lvl="1"/>
@@ -1774,7 +1764,6 @@
               <a:rPr lang="zh-CN" altLang="en-US" dirty="0"/>
               <a:t>第二级</a:t>
             </a:r>
-            <a:endParaRPr lang="zh-CN" altLang="en-US" dirty="0"/>
           </a:p>
           <a:p>
             <a:pPr lvl="2"/>
@@ -1782,7 +1771,6 @@
               <a:rPr lang="zh-CN" altLang="en-US" dirty="0"/>
               <a:t>第三级</a:t>
             </a:r>
-            <a:endParaRPr lang="zh-CN" altLang="en-US" dirty="0"/>
           </a:p>
           <a:p>
             <a:pPr lvl="3"/>
@@ -1790,7 +1778,6 @@
               <a:rPr lang="zh-CN" altLang="en-US" dirty="0"/>
               <a:t>第四级</a:t>
             </a:r>
-            <a:endParaRPr lang="zh-CN" altLang="en-US" dirty="0"/>
           </a:p>
           <a:p>
             <a:pPr lvl="4"/>
@@ -1798,7 +1785,6 @@
               <a:rPr lang="zh-CN" altLang="en-US" dirty="0"/>
               <a:t>第五级</a:t>
             </a:r>
-            <a:endParaRPr lang="zh-CN" altLang="en-US" dirty="0"/>
           </a:p>
         </p:txBody>
       </p:sp>
@@ -1819,6 +1805,7 @@
           <a:p>
             <a:fld id="{760FBDFE-C587-4B4C-A407-44438C67B59E}" type="datetimeFigureOut">
               <a:rPr lang="zh-CN" altLang="en-US" smtClean="0"/>
+              <a:t>2025/10/26</a:t>
             </a:fld>
             <a:endParaRPr lang="zh-CN" altLang="en-US"/>
           </a:p>
@@ -1860,6 +1847,7 @@
           <a:p>
             <a:fld id="{49AE70B2-8BF9-45C0-BB95-33D1B9D3A854}" type="slidenum">
               <a:rPr lang="zh-CN" altLang="en-US" smtClean="0"/>
+              <a:t>‹#›</a:t>
             </a:fld>
             <a:endParaRPr lang="zh-CN" altLang="en-US"/>
           </a:p>
@@ -1914,7 +1902,6 @@
               <a:rPr lang="zh-CN" altLang="en-US"/>
               <a:t>单击此处编辑母版标题样式</a:t>
             </a:r>
-            <a:endParaRPr lang="zh-CN" altLang="en-US"/>
           </a:p>
         </p:txBody>
       </p:sp>
@@ -1980,7 +1967,6 @@
               <a:rPr lang="zh-CN" altLang="en-US" dirty="0"/>
               <a:t>单击此处编辑母版文本样式</a:t>
             </a:r>
-            <a:endParaRPr lang="zh-CN" altLang="en-US" dirty="0"/>
           </a:p>
         </p:txBody>
       </p:sp>
@@ -2009,7 +1995,6 @@
               <a:rPr lang="zh-CN" altLang="en-US" dirty="0"/>
               <a:t>单击此处编辑母版文本样式</a:t>
             </a:r>
-            <a:endParaRPr lang="zh-CN" altLang="en-US" dirty="0"/>
           </a:p>
           <a:p>
             <a:pPr lvl="1"/>
@@ -2017,7 +2002,6 @@
               <a:rPr lang="zh-CN" altLang="en-US" dirty="0"/>
               <a:t>第二级</a:t>
             </a:r>
-            <a:endParaRPr lang="zh-CN" altLang="en-US" dirty="0"/>
           </a:p>
           <a:p>
             <a:pPr lvl="2"/>
@@ -2025,7 +2009,6 @@
               <a:rPr lang="zh-CN" altLang="en-US" dirty="0"/>
               <a:t>第三级</a:t>
             </a:r>
-            <a:endParaRPr lang="zh-CN" altLang="en-US" dirty="0"/>
           </a:p>
           <a:p>
             <a:pPr lvl="3"/>
@@ -2033,7 +2016,6 @@
               <a:rPr lang="zh-CN" altLang="en-US" dirty="0"/>
               <a:t>第四级</a:t>
             </a:r>
-            <a:endParaRPr lang="zh-CN" altLang="en-US" dirty="0"/>
           </a:p>
           <a:p>
             <a:pPr lvl="4"/>
@@ -2041,7 +2023,6 @@
               <a:rPr lang="zh-CN" altLang="en-US" dirty="0"/>
               <a:t>第五级</a:t>
             </a:r>
-            <a:endParaRPr lang="zh-CN" altLang="en-US" dirty="0"/>
           </a:p>
         </p:txBody>
       </p:sp>
@@ -2107,7 +2088,6 @@
               <a:rPr lang="zh-CN" altLang="en-US" dirty="0"/>
               <a:t>单击此处编辑母版文本样式</a:t>
             </a:r>
-            <a:endParaRPr lang="zh-CN" altLang="en-US" dirty="0"/>
           </a:p>
         </p:txBody>
       </p:sp>
@@ -2136,7 +2116,6 @@
               <a:rPr lang="zh-CN" altLang="en-US" dirty="0"/>
               <a:t>单击此处编辑母版文本样式</a:t>
             </a:r>
-            <a:endParaRPr lang="zh-CN" altLang="en-US" dirty="0"/>
           </a:p>
           <a:p>
             <a:pPr lvl="1"/>
@@ -2144,7 +2123,6 @@
               <a:rPr lang="zh-CN" altLang="en-US" dirty="0"/>
               <a:t>第二级</a:t>
             </a:r>
-            <a:endParaRPr lang="zh-CN" altLang="en-US" dirty="0"/>
           </a:p>
           <a:p>
             <a:pPr lvl="2"/>
@@ -2152,7 +2130,6 @@
               <a:rPr lang="zh-CN" altLang="en-US" dirty="0"/>
               <a:t>第三级</a:t>
             </a:r>
-            <a:endParaRPr lang="zh-CN" altLang="en-US" dirty="0"/>
           </a:p>
           <a:p>
             <a:pPr lvl="3"/>
@@ -2160,7 +2137,6 @@
               <a:rPr lang="zh-CN" altLang="en-US" dirty="0"/>
               <a:t>第四级</a:t>
             </a:r>
-            <a:endParaRPr lang="zh-CN" altLang="en-US" dirty="0"/>
           </a:p>
           <a:p>
             <a:pPr lvl="4"/>
@@ -2168,7 +2144,6 @@
               <a:rPr lang="zh-CN" altLang="en-US" dirty="0"/>
               <a:t>第五级</a:t>
             </a:r>
-            <a:endParaRPr lang="zh-CN" altLang="en-US" dirty="0"/>
           </a:p>
         </p:txBody>
       </p:sp>
@@ -2189,6 +2164,7 @@
           <a:p>
             <a:fld id="{760FBDFE-C587-4B4C-A407-44438C67B59E}" type="datetimeFigureOut">
               <a:rPr lang="zh-CN" altLang="en-US" smtClean="0"/>
+              <a:t>2025/10/26</a:t>
             </a:fld>
             <a:endParaRPr lang="zh-CN" altLang="en-US"/>
           </a:p>
@@ -2230,6 +2206,7 @@
           <a:p>
             <a:fld id="{49AE70B2-8BF9-45C0-BB95-33D1B9D3A854}" type="slidenum">
               <a:rPr lang="zh-CN" altLang="en-US" smtClean="0"/>
+              <a:t>‹#›</a:t>
             </a:fld>
             <a:endParaRPr lang="zh-CN" altLang="en-US"/>
           </a:p>
@@ -2298,7 +2275,6 @@
               <a:rPr lang="zh-CN" altLang="en-US" dirty="0"/>
               <a:t>单击此处编辑母版标题样式</a:t>
             </a:r>
-            <a:endParaRPr lang="zh-CN" altLang="en-US" dirty="0"/>
           </a:p>
         </p:txBody>
       </p:sp>
@@ -2319,6 +2295,7 @@
           <a:p>
             <a:fld id="{760FBDFE-C587-4B4C-A407-44438C67B59E}" type="datetimeFigureOut">
               <a:rPr lang="zh-CN" altLang="en-US" smtClean="0"/>
+              <a:t>2025/10/26</a:t>
             </a:fld>
             <a:endParaRPr lang="zh-CN" altLang="en-US"/>
           </a:p>
@@ -2360,6 +2337,7 @@
           <a:p>
             <a:fld id="{49AE70B2-8BF9-45C0-BB95-33D1B9D3A854}" type="slidenum">
               <a:rPr lang="zh-CN" altLang="en-US" smtClean="0"/>
+              <a:t>‹#›</a:t>
             </a:fld>
             <a:endParaRPr lang="zh-CN" altLang="en-US"/>
           </a:p>
@@ -2407,6 +2385,7 @@
           <a:p>
             <a:fld id="{760FBDFE-C587-4B4C-A407-44438C67B59E}" type="datetimeFigureOut">
               <a:rPr lang="zh-CN" altLang="en-US" smtClean="0"/>
+              <a:t>2025/10/26</a:t>
             </a:fld>
             <a:endParaRPr lang="zh-CN" altLang="en-US"/>
           </a:p>
@@ -2448,6 +2427,7 @@
           <a:p>
             <a:fld id="{49AE70B2-8BF9-45C0-BB95-33D1B9D3A854}" type="slidenum">
               <a:rPr lang="zh-CN" altLang="en-US" smtClean="0"/>
+              <a:t>‹#›</a:t>
             </a:fld>
             <a:endParaRPr lang="zh-CN" altLang="en-US"/>
           </a:p>
@@ -2516,7 +2496,6 @@
               <a:rPr lang="zh-CN" altLang="en-US" dirty="0"/>
               <a:t>单击此处编辑标题</a:t>
             </a:r>
-            <a:endParaRPr lang="zh-CN" altLang="en-US" dirty="0"/>
           </a:p>
         </p:txBody>
       </p:sp>
@@ -2648,7 +2627,6 @@
               <a:rPr lang="zh-CN" altLang="en-US" dirty="0"/>
               <a:t>单击此处编辑母版文本样式</a:t>
             </a:r>
-            <a:endParaRPr lang="zh-CN" altLang="en-US" dirty="0"/>
           </a:p>
         </p:txBody>
       </p:sp>
@@ -2669,6 +2647,7 @@
           <a:p>
             <a:fld id="{9EFD9D74-47D9-4702-A33C-335B63B48DBF}" type="datetimeFigureOut">
               <a:rPr lang="zh-CN" altLang="en-US" smtClean="0"/>
+              <a:t>2025/10/26</a:t>
             </a:fld>
             <a:endParaRPr lang="zh-CN" altLang="en-US" dirty="0"/>
           </a:p>
@@ -2710,6 +2689,7 @@
           <a:p>
             <a:fld id="{FABC47A4-756D-490B-A52F-7D9E2C9FC05F}" type="slidenum">
               <a:rPr lang="zh-CN" altLang="en-US" smtClean="0"/>
+              <a:t>‹#›</a:t>
             </a:fld>
             <a:endParaRPr lang="zh-CN" altLang="en-US"/>
           </a:p>
@@ -2770,7 +2750,6 @@
               <a:rPr lang="zh-CN" altLang="en-US"/>
               <a:t>单击此处编辑母版标题样式</a:t>
             </a:r>
-            <a:endParaRPr lang="zh-CN" altLang="en-US"/>
           </a:p>
         </p:txBody>
       </p:sp>
@@ -2799,7 +2778,6 @@
               <a:rPr lang="zh-CN" altLang="en-US" dirty="0"/>
               <a:t>单击此处编辑母版文本样式</a:t>
             </a:r>
-            <a:endParaRPr lang="zh-CN" altLang="en-US" dirty="0"/>
           </a:p>
           <a:p>
             <a:pPr lvl="1"/>
@@ -2807,7 +2785,6 @@
               <a:rPr lang="zh-CN" altLang="en-US" dirty="0"/>
               <a:t>第二级</a:t>
             </a:r>
-            <a:endParaRPr lang="zh-CN" altLang="en-US" dirty="0"/>
           </a:p>
           <a:p>
             <a:pPr lvl="2"/>
@@ -2815,7 +2792,6 @@
               <a:rPr lang="zh-CN" altLang="en-US" dirty="0"/>
               <a:t>第三级</a:t>
             </a:r>
-            <a:endParaRPr lang="zh-CN" altLang="en-US" dirty="0"/>
           </a:p>
           <a:p>
             <a:pPr lvl="3"/>
@@ -2823,7 +2799,6 @@
               <a:rPr lang="zh-CN" altLang="en-US" dirty="0"/>
               <a:t>第四级</a:t>
             </a:r>
-            <a:endParaRPr lang="zh-CN" altLang="en-US" dirty="0"/>
           </a:p>
           <a:p>
             <a:pPr lvl="4"/>
@@ -2831,7 +2806,6 @@
               <a:rPr lang="zh-CN" altLang="en-US" dirty="0"/>
               <a:t>第五级</a:t>
             </a:r>
-            <a:endParaRPr lang="zh-CN" altLang="en-US" dirty="0"/>
           </a:p>
         </p:txBody>
       </p:sp>
@@ -2852,6 +2826,7 @@
           <a:p>
             <a:fld id="{760FBDFE-C587-4B4C-A407-44438C67B59E}" type="datetimeFigureOut">
               <a:rPr lang="zh-CN" altLang="en-US" smtClean="0"/>
+              <a:t>2025/10/26</a:t>
             </a:fld>
             <a:endParaRPr lang="zh-CN" altLang="en-US"/>
           </a:p>
@@ -2893,6 +2868,7 @@
           <a:p>
             <a:fld id="{49AE70B2-8BF9-45C0-BB95-33D1B9D3A854}" type="slidenum">
               <a:rPr lang="zh-CN" altLang="en-US" smtClean="0"/>
+              <a:t>‹#›</a:t>
             </a:fld>
             <a:endParaRPr lang="zh-CN" altLang="en-US"/>
           </a:p>
@@ -2960,7 +2936,6 @@
               <a:rPr lang="zh-CN" altLang="en-US" dirty="0"/>
               <a:t>单击此处编辑母版标题样式</a:t>
             </a:r>
-            <a:endParaRPr lang="zh-CN" altLang="en-US" dirty="0"/>
           </a:p>
         </p:txBody>
       </p:sp>
@@ -2994,7 +2969,6 @@
               <a:rPr lang="zh-CN" altLang="en-US" dirty="0"/>
               <a:t>单击此处编辑母版文本样式</a:t>
             </a:r>
-            <a:endParaRPr lang="zh-CN" altLang="en-US" dirty="0"/>
           </a:p>
           <a:p>
             <a:pPr lvl="1"/>
@@ -3002,7 +2976,6 @@
               <a:rPr lang="zh-CN" altLang="en-US" dirty="0"/>
               <a:t>第二级</a:t>
             </a:r>
-            <a:endParaRPr lang="zh-CN" altLang="en-US" dirty="0"/>
           </a:p>
           <a:p>
             <a:pPr lvl="2"/>
@@ -3010,7 +2983,6 @@
               <a:rPr lang="zh-CN" altLang="en-US" dirty="0"/>
               <a:t>第三级</a:t>
             </a:r>
-            <a:endParaRPr lang="zh-CN" altLang="en-US" dirty="0"/>
           </a:p>
           <a:p>
             <a:pPr lvl="3"/>
@@ -3018,7 +2990,6 @@
               <a:rPr lang="zh-CN" altLang="en-US" dirty="0"/>
               <a:t>第四级</a:t>
             </a:r>
-            <a:endParaRPr lang="zh-CN" altLang="en-US" dirty="0"/>
           </a:p>
           <a:p>
             <a:pPr lvl="4"/>
@@ -3026,7 +2997,6 @@
               <a:rPr lang="zh-CN" altLang="en-US" dirty="0"/>
               <a:t>第五级</a:t>
             </a:r>
-            <a:endParaRPr lang="zh-CN" altLang="en-US" dirty="0"/>
           </a:p>
         </p:txBody>
       </p:sp>
@@ -3067,6 +3037,7 @@
           <a:p>
             <a:fld id="{760FBDFE-C587-4B4C-A407-44438C67B59E}" type="datetimeFigureOut">
               <a:rPr lang="zh-CN" altLang="en-US" smtClean="0"/>
+              <a:t>2025/10/26</a:t>
             </a:fld>
             <a:endParaRPr lang="zh-CN" altLang="en-US"/>
           </a:p>
@@ -3148,6 +3119,7 @@
           <a:p>
             <a:fld id="{49AE70B2-8BF9-45C0-BB95-33D1B9D3A854}" type="slidenum">
               <a:rPr lang="zh-CN" altLang="en-US" smtClean="0"/>
+              <a:t>‹#›</a:t>
             </a:fld>
             <a:endParaRPr lang="zh-CN" altLang="en-US"/>
           </a:p>
@@ -3488,13 +3460,13 @@
           <a:bodyPr wrap="square" rtlCol="0">
             <a:spAutoFit/>
           </a:bodyPr>
+          <a:lstStyle/>
           <a:p>
             <a:pPr algn="ctr"/>
             <a:r>
               <a:rPr lang="x-none" altLang="zh-CN"/>
               <a:t>Global</a:t>
             </a:r>
-            <a:endParaRPr lang="x-none" altLang="zh-CN"/>
           </a:p>
         </p:txBody>
       </p:sp>
@@ -3518,13 +3490,13 @@
           <a:bodyPr wrap="square" rtlCol="0">
             <a:spAutoFit/>
           </a:bodyPr>
+          <a:lstStyle/>
           <a:p>
             <a:pPr algn="ctr"/>
             <a:r>
               <a:rPr lang="x-none" altLang="zh-CN"/>
               <a:t>Vec3</a:t>
             </a:r>
-            <a:endParaRPr lang="x-none" altLang="zh-CN"/>
           </a:p>
         </p:txBody>
       </p:sp>
@@ -3548,13 +3520,13 @@
           <a:bodyPr wrap="square" rtlCol="0">
             <a:spAutoFit/>
           </a:bodyPr>
+          <a:lstStyle/>
           <a:p>
             <a:pPr algn="ctr"/>
             <a:r>
               <a:rPr lang="x-none" altLang="zh-CN"/>
               <a:t>Point3</a:t>
             </a:r>
-            <a:endParaRPr lang="x-none" altLang="zh-CN"/>
           </a:p>
         </p:txBody>
       </p:sp>
@@ -3578,13 +3550,13 @@
           <a:bodyPr wrap="square" rtlCol="0">
             <a:spAutoFit/>
           </a:bodyPr>
+          <a:lstStyle/>
           <a:p>
             <a:pPr algn="ctr"/>
             <a:r>
               <a:rPr lang="x-none" altLang="zh-CN"/>
               <a:t>Ray</a:t>
             </a:r>
-            <a:endParaRPr lang="x-none" altLang="zh-CN"/>
           </a:p>
         </p:txBody>
       </p:sp>
@@ -3608,13 +3580,13 @@
           <a:bodyPr wrap="square" rtlCol="0">
             <a:spAutoFit/>
           </a:bodyPr>
+          <a:lstStyle/>
           <a:p>
             <a:pPr algn="ctr"/>
             <a:r>
               <a:rPr lang="x-none" altLang="zh-CN"/>
               <a:t>Color3</a:t>
             </a:r>
-            <a:endParaRPr lang="x-none" altLang="zh-CN"/>
           </a:p>
         </p:txBody>
       </p:sp>
@@ -3638,13 +3610,13 @@
           <a:bodyPr wrap="square" rtlCol="0">
             <a:spAutoFit/>
           </a:bodyPr>
+          <a:lstStyle/>
           <a:p>
             <a:pPr algn="ctr"/>
             <a:r>
               <a:rPr lang="x-none" altLang="zh-CN"/>
               <a:t>Pair</a:t>
             </a:r>
-            <a:endParaRPr lang="x-none" altLang="zh-CN"/>
           </a:p>
         </p:txBody>
       </p:sp>
@@ -3818,13 +3790,13 @@
           <a:bodyPr wrap="square" rtlCol="0">
             <a:spAutoFit/>
           </a:bodyPr>
+          <a:lstStyle/>
           <a:p>
             <a:pPr algn="ctr"/>
             <a:r>
               <a:rPr lang="x-none" altLang="zh-CN"/>
               <a:t>Range</a:t>
             </a:r>
-            <a:endParaRPr lang="x-none" altLang="zh-CN"/>
           </a:p>
         </p:txBody>
       </p:sp>
@@ -3884,13 +3856,13 @@
           <a:bodyPr wrap="square" rtlCol="0">
             <a:spAutoFit/>
           </a:bodyPr>
+          <a:lstStyle/>
           <a:p>
             <a:pPr algn="ctr"/>
             <a:r>
               <a:rPr lang="x-none" altLang="zh-CN"/>
               <a:t>BasicTypes</a:t>
             </a:r>
-            <a:endParaRPr lang="x-none" altLang="zh-CN"/>
           </a:p>
         </p:txBody>
       </p:sp>
@@ -4026,13 +3998,13 @@
           <a:bodyPr wrap="square" rtlCol="0">
             <a:spAutoFit/>
           </a:bodyPr>
+          <a:lstStyle/>
           <a:p>
             <a:pPr algn="ctr"/>
             <a:r>
               <a:rPr lang="x-none" altLang="zh-CN"/>
               <a:t>Matrix</a:t>
             </a:r>
-            <a:endParaRPr lang="x-none" altLang="zh-CN"/>
           </a:p>
         </p:txBody>
       </p:sp>
@@ -4129,7 +4101,14 @@
         <p:cNvGrpSpPr/>
         <p:nvPr/>
       </p:nvGrpSpPr>
-      <p:grpSpPr/>
+      <p:grpSpPr>
+        <a:xfrm>
+          <a:off x="0" y="0"/>
+          <a:ext cx="0" cy="0"/>
+          <a:chOff x="0" y="0"/>
+          <a:chExt cx="0" cy="0"/>
+        </a:xfrm>
+      </p:grpSpPr>
       <p:sp>
         <p:nvSpPr>
           <p:cNvPr id="7" name="文本框 6"/>
@@ -4150,13 +4129,13 @@
           <a:bodyPr wrap="square" rtlCol="0">
             <a:spAutoFit/>
           </a:bodyPr>
+          <a:lstStyle/>
           <a:p>
             <a:pPr algn="ctr"/>
             <a:r>
               <a:rPr lang="x-none" altLang="zh-CN"/>
               <a:t>Ray</a:t>
             </a:r>
-            <a:endParaRPr lang="x-none" altLang="zh-CN"/>
           </a:p>
         </p:txBody>
       </p:sp>
@@ -4168,7 +4147,7 @@
         </p:nvSpPr>
         <p:spPr>
           <a:xfrm>
-            <a:off x="337185" y="1796415"/>
+            <a:off x="337185" y="1449705"/>
             <a:ext cx="2715895" cy="368300"/>
           </a:xfrm>
           <a:prstGeom prst="rect">
@@ -4180,13 +4159,13 @@
           <a:bodyPr wrap="square" rtlCol="0">
             <a:spAutoFit/>
           </a:bodyPr>
+          <a:lstStyle/>
           <a:p>
             <a:pPr algn="ctr"/>
             <a:r>
               <a:rPr lang="x-none" altLang="zh-CN"/>
               <a:t>Sphere</a:t>
             </a:r>
-            <a:endParaRPr lang="x-none" altLang="zh-CN"/>
           </a:p>
         </p:txBody>
       </p:sp>
@@ -4198,7 +4177,7 @@
         </p:nvSpPr>
         <p:spPr>
           <a:xfrm>
-            <a:off x="337185" y="2439035"/>
+            <a:off x="337503" y="1869967"/>
             <a:ext cx="2715895" cy="368300"/>
           </a:xfrm>
           <a:prstGeom prst="rect">
@@ -4210,6 +4189,7 @@
           <a:bodyPr wrap="square" rtlCol="0">
             <a:spAutoFit/>
           </a:bodyPr>
+          <a:lstStyle/>
           <a:p>
             <a:pPr algn="ctr"/>
             <a:r>
@@ -4233,8 +4213,8 @@
         </p:nvCxnSpPr>
         <p:spPr>
           <a:xfrm rot="5400000">
-            <a:off x="4290060" y="173990"/>
-            <a:ext cx="569595" cy="3042920"/>
+            <a:off x="4462940" y="1111"/>
+            <a:ext cx="222885" cy="3042603"/>
           </a:xfrm>
           <a:prstGeom prst="bentConnector2">
             <a:avLst/>
@@ -4258,22 +4238,84 @@
           </a:fontRef>
         </p:style>
       </p:cxnSp>
+      <p:sp>
+        <p:nvSpPr>
+          <p:cNvPr id="11" name="文本框 10"/>
+          <p:cNvSpPr txBox="1"/>
+          <p:nvPr/>
+        </p:nvSpPr>
+        <p:spPr>
+          <a:xfrm>
+            <a:off x="8806180" y="1265555"/>
+            <a:ext cx="2715895" cy="368300"/>
+          </a:xfrm>
+          <a:prstGeom prst="rect">
+            <a:avLst/>
+          </a:prstGeom>
+          <a:noFill/>
+        </p:spPr>
+        <p:txBody>
+          <a:bodyPr wrap="square" rtlCol="0">
+            <a:spAutoFit/>
+          </a:bodyPr>
+          <a:lstStyle/>
+          <a:p>
+            <a:pPr algn="ctr"/>
+            <a:r>
+              <a:rPr lang="x-none" altLang="zh-CN"/>
+              <a:t>Rough</a:t>
+            </a:r>
+          </a:p>
+        </p:txBody>
+      </p:sp>
+      <p:sp>
+        <p:nvSpPr>
+          <p:cNvPr id="12" name="文本框 11"/>
+          <p:cNvSpPr txBox="1"/>
+          <p:nvPr/>
+        </p:nvSpPr>
+        <p:spPr>
+          <a:xfrm>
+            <a:off x="8806180" y="1818640"/>
+            <a:ext cx="2715895" cy="368300"/>
+          </a:xfrm>
+          <a:prstGeom prst="rect">
+            <a:avLst/>
+          </a:prstGeom>
+          <a:noFill/>
+        </p:spPr>
+        <p:txBody>
+          <a:bodyPr wrap="square" rtlCol="0">
+            <a:spAutoFit/>
+          </a:bodyPr>
+          <a:lstStyle/>
+          <a:p>
+            <a:pPr algn="ctr"/>
+            <a:r>
+              <a:rPr lang="x-none" altLang="zh-CN"/>
+              <a:t>Metal</a:t>
+            </a:r>
+          </a:p>
+        </p:txBody>
+      </p:sp>
       <p:cxnSp>
         <p:nvCxnSpPr>
-          <p:cNvPr id="10" name="肘形连接符 9"/>
+          <p:cNvPr id="13" name="肘形连接符 12"/>
           <p:cNvCxnSpPr>
-            <a:stCxn id="19" idx="2"/>
-            <a:endCxn id="8" idx="3"/>
+            <a:stCxn id="7" idx="3"/>
+            <a:endCxn id="11" idx="1"/>
           </p:cNvCxnSpPr>
           <p:nvPr/>
         </p:nvCxnSpPr>
         <p:spPr>
-          <a:xfrm rot="5400000">
-            <a:off x="3968750" y="495300"/>
-            <a:ext cx="1212215" cy="3042920"/>
-          </a:xfrm>
-          <a:prstGeom prst="bentConnector2">
-            <a:avLst/>
+          <a:xfrm>
+            <a:off x="7024370" y="365760"/>
+            <a:ext cx="1781810" cy="1083945"/>
+          </a:xfrm>
+          <a:prstGeom prst="bentConnector3">
+            <a:avLst>
+              <a:gd name="adj1" fmla="val 50000"/>
+            </a:avLst>
           </a:prstGeom>
           <a:ln>
             <a:tailEnd type="arrow"/>
@@ -4296,14 +4338,14 @@
       </p:cxnSp>
       <p:sp>
         <p:nvSpPr>
-          <p:cNvPr id="11" name="文本框 10"/>
+          <p:cNvPr id="16" name="文本框 15"/>
           <p:cNvSpPr txBox="1"/>
           <p:nvPr/>
         </p:nvSpPr>
         <p:spPr>
           <a:xfrm>
-            <a:off x="8806180" y="1265555"/>
-            <a:ext cx="2715895" cy="368300"/>
+            <a:off x="7802245" y="3140710"/>
+            <a:ext cx="1607185" cy="368300"/>
           </a:xfrm>
           <a:prstGeom prst="rect">
             <a:avLst/>
@@ -4314,113 +4356,22 @@
           <a:bodyPr wrap="square" rtlCol="0">
             <a:spAutoFit/>
           </a:bodyPr>
+          <a:lstStyle/>
           <a:p>
             <a:pPr algn="ctr"/>
             <a:r>
-              <a:rPr lang="x-none" altLang="zh-CN"/>
-              <a:t>Rough</a:t>
-            </a:r>
-            <a:endParaRPr lang="x-none" altLang="zh-CN"/>
-          </a:p>
-        </p:txBody>
-      </p:sp>
-      <p:sp>
-        <p:nvSpPr>
-          <p:cNvPr id="12" name="文本框 11"/>
-          <p:cNvSpPr txBox="1"/>
-          <p:nvPr/>
-        </p:nvSpPr>
-        <p:spPr>
-          <a:xfrm>
-            <a:off x="8806180" y="1818640"/>
-            <a:ext cx="2715895" cy="368300"/>
-          </a:xfrm>
-          <a:prstGeom prst="rect">
-            <a:avLst/>
-          </a:prstGeom>
-          <a:noFill/>
-        </p:spPr>
-        <p:txBody>
-          <a:bodyPr wrap="square" rtlCol="0">
-            <a:spAutoFit/>
-          </a:bodyPr>
-          <a:p>
-            <a:pPr algn="ctr"/>
-            <a:r>
-              <a:rPr lang="x-none" altLang="zh-CN"/>
-              <a:t>Metal</a:t>
-            </a:r>
-            <a:endParaRPr lang="x-none" altLang="zh-CN"/>
-          </a:p>
-        </p:txBody>
-      </p:sp>
-      <p:cxnSp>
-        <p:nvCxnSpPr>
-          <p:cNvPr id="13" name="肘形连接符 12"/>
-          <p:cNvCxnSpPr>
-            <a:stCxn id="7" idx="3"/>
-            <a:endCxn id="11" idx="1"/>
-          </p:cNvCxnSpPr>
-          <p:nvPr/>
-        </p:nvCxnSpPr>
-        <p:spPr>
-          <a:xfrm>
-            <a:off x="7024370" y="365760"/>
-            <a:ext cx="1781810" cy="1083945"/>
-          </a:xfrm>
-          <a:prstGeom prst="bentConnector3">
-            <a:avLst>
-              <a:gd name="adj1" fmla="val 50000"/>
-            </a:avLst>
-          </a:prstGeom>
-          <a:ln>
-            <a:tailEnd type="arrow"/>
-          </a:ln>
-        </p:spPr>
-        <p:style>
-          <a:lnRef idx="2">
-            <a:schemeClr val="accent1"/>
-          </a:lnRef>
-          <a:fillRef idx="0">
-            <a:srgbClr val="FFFFFF"/>
-          </a:fillRef>
-          <a:effectRef idx="0">
-            <a:srgbClr val="FFFFFF"/>
-          </a:effectRef>
-          <a:fontRef idx="minor">
-            <a:schemeClr val="tx1"/>
-          </a:fontRef>
-        </p:style>
-      </p:cxnSp>
-      <p:sp>
-        <p:nvSpPr>
-          <p:cNvPr id="16" name="文本框 15"/>
-          <p:cNvSpPr txBox="1"/>
-          <p:nvPr/>
-        </p:nvSpPr>
-        <p:spPr>
-          <a:xfrm>
-            <a:off x="7802245" y="3140710"/>
-            <a:ext cx="1607185" cy="368300"/>
-          </a:xfrm>
-          <a:prstGeom prst="rect">
-            <a:avLst/>
-          </a:prstGeom>
-          <a:noFill/>
-        </p:spPr>
-        <p:txBody>
-          <a:bodyPr wrap="square" rtlCol="0">
-            <a:spAutoFit/>
-          </a:bodyPr>
-          <a:p>
-            <a:pPr algn="ctr"/>
-            <a:r>
-              <a:rPr lang="x-none" altLang="zh-CN">
+              <a:rPr lang="x-none" altLang="zh-CN" dirty="0">
                 <a:sym typeface="+mn-ea"/>
               </a:rPr>
               <a:t>Render</a:t>
             </a:r>
-            <a:endParaRPr lang="x-none" altLang="zh-CN"/>
+            <a:r>
+              <a:rPr lang="en-US" altLang="zh-CN" dirty="0" err="1">
+                <a:sym typeface="+mn-ea"/>
+              </a:rPr>
+              <a:t>erImpl</a:t>
+            </a:r>
+            <a:endParaRPr lang="x-none" altLang="zh-CN" dirty="0"/>
           </a:p>
         </p:txBody>
       </p:sp>
@@ -4428,15 +4379,16 @@
         <p:nvCxnSpPr>
           <p:cNvPr id="17" name="肘形连接符 16"/>
           <p:cNvCxnSpPr>
-            <a:stCxn id="8" idx="2"/>
+            <a:cxnSpLocks/>
+            <a:stCxn id="30" idx="2"/>
             <a:endCxn id="3" idx="1"/>
           </p:cNvCxnSpPr>
           <p:nvPr/>
         </p:nvCxnSpPr>
         <p:spPr>
-          <a:xfrm rot="5400000" flipV="1">
-            <a:off x="1633538" y="2869248"/>
-            <a:ext cx="515620" cy="391795"/>
+          <a:xfrm rot="16200000" flipH="1">
+            <a:off x="1573979" y="2809688"/>
+            <a:ext cx="634419" cy="392113"/>
           </a:xfrm>
           <a:prstGeom prst="bentConnector2">
             <a:avLst/>
@@ -4516,6 +4468,7 @@
           <a:bodyPr wrap="square" rtlCol="0">
             <a:spAutoFit/>
           </a:bodyPr>
+          <a:lstStyle/>
           <a:p>
             <a:pPr algn="ctr"/>
             <a:r>
@@ -4584,6 +4537,7 @@
           <a:bodyPr wrap="square" rtlCol="0">
             <a:spAutoFit/>
           </a:bodyPr>
+          <a:lstStyle/>
           <a:p>
             <a:pPr algn="ctr"/>
             <a:r>
@@ -4604,8 +4558,8 @@
         </p:nvSpPr>
         <p:spPr>
           <a:xfrm>
-            <a:off x="7524750" y="4344670"/>
-            <a:ext cx="2162175" cy="368300"/>
+            <a:off x="9917796" y="4326692"/>
+            <a:ext cx="1293740" cy="368300"/>
           </a:xfrm>
           <a:prstGeom prst="rect">
             <a:avLst/>
@@ -4616,15 +4570,16 @@
           <a:bodyPr wrap="square" rtlCol="0">
             <a:spAutoFit/>
           </a:bodyPr>
+          <a:lstStyle/>
           <a:p>
             <a:pPr algn="ctr"/>
             <a:r>
-              <a:rPr lang="x-none" altLang="zh-CN">
+              <a:rPr lang="x-none" altLang="zh-CN" dirty="0">
                 <a:sym typeface="+mn-ea"/>
               </a:rPr>
               <a:t>Kernel</a:t>
             </a:r>
-            <a:endParaRPr lang="x-none" altLang="zh-CN"/>
+            <a:endParaRPr lang="x-none" altLang="zh-CN" dirty="0"/>
           </a:p>
         </p:txBody>
       </p:sp>
@@ -4632,18 +4587,21 @@
         <p:nvCxnSpPr>
           <p:cNvPr id="24" name="肘形连接符 23"/>
           <p:cNvCxnSpPr>
+            <a:cxnSpLocks/>
             <a:stCxn id="16" idx="2"/>
             <a:endCxn id="23" idx="0"/>
           </p:cNvCxnSpPr>
           <p:nvPr/>
         </p:nvCxnSpPr>
         <p:spPr>
-          <a:xfrm rot="5400000" flipV="1">
-            <a:off x="8188325" y="3926840"/>
-            <a:ext cx="835660" cy="3175"/>
-          </a:xfrm>
-          <a:prstGeom prst="bentConnector2">
-            <a:avLst/>
+          <a:xfrm rot="16200000" flipH="1">
+            <a:off x="9176411" y="2938437"/>
+            <a:ext cx="817682" cy="1958828"/>
+          </a:xfrm>
+          <a:prstGeom prst="bentConnector3">
+            <a:avLst>
+              <a:gd name="adj1" fmla="val 50000"/>
+            </a:avLst>
           </a:prstGeom>
           <a:ln>
             <a:tailEnd type="arrow"/>
@@ -4720,6 +4678,7 @@
           <a:bodyPr wrap="square" rtlCol="0">
             <a:spAutoFit/>
           </a:bodyPr>
+          <a:lstStyle/>
           <a:p>
             <a:pPr algn="ctr"/>
             <a:r>
@@ -4752,6 +4711,7 @@
           <a:bodyPr wrap="square" rtlCol="0">
             <a:spAutoFit/>
           </a:bodyPr>
+          <a:lstStyle/>
           <a:p>
             <a:pPr algn="ctr"/>
             <a:r>
@@ -4817,6 +4777,301 @@
           <a:prstGeom prst="bentConnector3">
             <a:avLst>
               <a:gd name="adj1" fmla="val 50019"/>
+            </a:avLst>
+          </a:prstGeom>
+          <a:ln>
+            <a:tailEnd type="arrow"/>
+          </a:ln>
+        </p:spPr>
+        <p:style>
+          <a:lnRef idx="2">
+            <a:schemeClr val="accent1"/>
+          </a:lnRef>
+          <a:fillRef idx="0">
+            <a:srgbClr val="FFFFFF"/>
+          </a:fillRef>
+          <a:effectRef idx="0">
+            <a:srgbClr val="FFFFFF"/>
+          </a:effectRef>
+          <a:fontRef idx="minor">
+            <a:schemeClr val="tx1"/>
+          </a:fontRef>
+        </p:style>
+      </p:cxnSp>
+      <p:sp>
+        <p:nvSpPr>
+          <p:cNvPr id="15" name="文本框 14">
+            <a:extLst>
+              <a:ext uri="{FF2B5EF4-FFF2-40B4-BE49-F238E27FC236}">
+                <a16:creationId xmlns:a16="http://schemas.microsoft.com/office/drawing/2014/main" id="{A4868246-F143-1D7C-7FA8-052E722C1A3C}"/>
+              </a:ext>
+            </a:extLst>
+          </p:cNvPr>
+          <p:cNvSpPr txBox="1"/>
+          <p:nvPr/>
+        </p:nvSpPr>
+        <p:spPr>
+          <a:xfrm>
+            <a:off x="5055870" y="4344670"/>
+            <a:ext cx="1129203" cy="368300"/>
+          </a:xfrm>
+          <a:prstGeom prst="rect">
+            <a:avLst/>
+          </a:prstGeom>
+          <a:noFill/>
+        </p:spPr>
+        <p:txBody>
+          <a:bodyPr wrap="square" rtlCol="0">
+            <a:spAutoFit/>
+          </a:bodyPr>
+          <a:lstStyle/>
+          <a:p>
+            <a:pPr algn="ctr"/>
+            <a:r>
+              <a:rPr lang="x-none" altLang="zh-CN" dirty="0">
+                <a:sym typeface="+mn-ea"/>
+              </a:rPr>
+              <a:t>Render</a:t>
+            </a:r>
+            <a:r>
+              <a:rPr lang="en-US" altLang="zh-CN" dirty="0">
+                <a:sym typeface="+mn-ea"/>
+              </a:rPr>
+              <a:t>er</a:t>
+            </a:r>
+            <a:endParaRPr lang="x-none" altLang="zh-CN" dirty="0"/>
+          </a:p>
+        </p:txBody>
+      </p:sp>
+      <p:cxnSp>
+        <p:nvCxnSpPr>
+          <p:cNvPr id="20" name="肘形连接符 23">
+            <a:extLst>
+              <a:ext uri="{FF2B5EF4-FFF2-40B4-BE49-F238E27FC236}">
+                <a16:creationId xmlns:a16="http://schemas.microsoft.com/office/drawing/2014/main" id="{482C5AED-2D08-375C-FA80-03E6190CCC5A}"/>
+              </a:ext>
+            </a:extLst>
+          </p:cNvPr>
+          <p:cNvCxnSpPr>
+            <a:cxnSpLocks/>
+            <a:stCxn id="16" idx="2"/>
+            <a:endCxn id="15" idx="3"/>
+          </p:cNvCxnSpPr>
+          <p:nvPr/>
+        </p:nvCxnSpPr>
+        <p:spPr>
+          <a:xfrm rot="5400000">
+            <a:off x="6885551" y="2808533"/>
+            <a:ext cx="1019810" cy="2420765"/>
+          </a:xfrm>
+          <a:prstGeom prst="bentConnector2">
+            <a:avLst/>
+          </a:prstGeom>
+          <a:ln>
+            <a:tailEnd type="arrow"/>
+          </a:ln>
+        </p:spPr>
+        <p:style>
+          <a:lnRef idx="2">
+            <a:schemeClr val="accent1"/>
+          </a:lnRef>
+          <a:fillRef idx="0">
+            <a:srgbClr val="FFFFFF"/>
+          </a:fillRef>
+          <a:effectRef idx="0">
+            <a:srgbClr val="FFFFFF"/>
+          </a:effectRef>
+          <a:fontRef idx="minor">
+            <a:schemeClr val="tx1"/>
+          </a:fontRef>
+        </p:style>
+      </p:cxnSp>
+      <p:sp>
+        <p:nvSpPr>
+          <p:cNvPr id="34" name="文本框 33">
+            <a:extLst>
+              <a:ext uri="{FF2B5EF4-FFF2-40B4-BE49-F238E27FC236}">
+                <a16:creationId xmlns:a16="http://schemas.microsoft.com/office/drawing/2014/main" id="{69C297BF-78FE-65B3-C3EC-B31E7B7D7645}"/>
+              </a:ext>
+            </a:extLst>
+          </p:cNvPr>
+          <p:cNvSpPr txBox="1"/>
+          <p:nvPr/>
+        </p:nvSpPr>
+        <p:spPr>
+          <a:xfrm>
+            <a:off x="2591665" y="4347629"/>
+            <a:ext cx="1129203" cy="368300"/>
+          </a:xfrm>
+          <a:prstGeom prst="rect">
+            <a:avLst/>
+          </a:prstGeom>
+          <a:noFill/>
+        </p:spPr>
+        <p:txBody>
+          <a:bodyPr wrap="square" rtlCol="0">
+            <a:spAutoFit/>
+          </a:bodyPr>
+          <a:lstStyle/>
+          <a:p>
+            <a:pPr algn="ctr"/>
+            <a:r>
+              <a:rPr lang="en-US" altLang="zh-CN" dirty="0">
+                <a:sym typeface="+mn-ea"/>
+              </a:rPr>
+              <a:t>Main</a:t>
+            </a:r>
+            <a:endParaRPr lang="x-none" altLang="zh-CN" dirty="0"/>
+          </a:p>
+        </p:txBody>
+      </p:sp>
+      <p:cxnSp>
+        <p:nvCxnSpPr>
+          <p:cNvPr id="35" name="肘形连接符 23">
+            <a:extLst>
+              <a:ext uri="{FF2B5EF4-FFF2-40B4-BE49-F238E27FC236}">
+                <a16:creationId xmlns:a16="http://schemas.microsoft.com/office/drawing/2014/main" id="{D8518FC0-D530-39E9-B6FF-9754FB95BDB4}"/>
+              </a:ext>
+            </a:extLst>
+          </p:cNvPr>
+          <p:cNvCxnSpPr>
+            <a:cxnSpLocks/>
+            <a:stCxn id="15" idx="1"/>
+            <a:endCxn id="34" idx="3"/>
+          </p:cNvCxnSpPr>
+          <p:nvPr/>
+        </p:nvCxnSpPr>
+        <p:spPr>
+          <a:xfrm rot="10800000" flipV="1">
+            <a:off x="3720868" y="4528819"/>
+            <a:ext cx="1335002" cy="2959"/>
+          </a:xfrm>
+          <a:prstGeom prst="bentConnector3">
+            <a:avLst>
+              <a:gd name="adj1" fmla="val 50000"/>
+            </a:avLst>
+          </a:prstGeom>
+          <a:ln>
+            <a:tailEnd type="arrow"/>
+          </a:ln>
+        </p:spPr>
+        <p:style>
+          <a:lnRef idx="2">
+            <a:schemeClr val="accent1"/>
+          </a:lnRef>
+          <a:fillRef idx="0">
+            <a:srgbClr val="FFFFFF"/>
+          </a:fillRef>
+          <a:effectRef idx="0">
+            <a:srgbClr val="FFFFFF"/>
+          </a:effectRef>
+          <a:fontRef idx="minor">
+            <a:schemeClr val="tx1"/>
+          </a:fontRef>
+        </p:style>
+      </p:cxnSp>
+      <p:sp>
+        <p:nvSpPr>
+          <p:cNvPr id="30" name="文本框 29">
+            <a:extLst>
+              <a:ext uri="{FF2B5EF4-FFF2-40B4-BE49-F238E27FC236}">
+                <a16:creationId xmlns:a16="http://schemas.microsoft.com/office/drawing/2014/main" id="{A5C07C00-AB38-B1C5-41D0-2C49A46ABDB2}"/>
+              </a:ext>
+            </a:extLst>
+          </p:cNvPr>
+          <p:cNvSpPr txBox="1"/>
+          <p:nvPr/>
+        </p:nvSpPr>
+        <p:spPr>
+          <a:xfrm>
+            <a:off x="337184" y="2320236"/>
+            <a:ext cx="2715895" cy="368300"/>
+          </a:xfrm>
+          <a:prstGeom prst="rect">
+            <a:avLst/>
+          </a:prstGeom>
+          <a:noFill/>
+        </p:spPr>
+        <p:txBody>
+          <a:bodyPr wrap="square" rtlCol="0">
+            <a:spAutoFit/>
+          </a:bodyPr>
+          <a:lstStyle/>
+          <a:p>
+            <a:pPr algn="ctr"/>
+            <a:r>
+              <a:rPr lang="en-US" altLang="zh-CN" dirty="0">
+                <a:sym typeface="+mn-ea"/>
+              </a:rPr>
+              <a:t>Triangle</a:t>
+            </a:r>
+            <a:endParaRPr lang="x-none" altLang="zh-CN" dirty="0"/>
+          </a:p>
+        </p:txBody>
+      </p:sp>
+      <p:sp>
+        <p:nvSpPr>
+          <p:cNvPr id="48" name="文本框 47">
+            <a:extLst>
+              <a:ext uri="{FF2B5EF4-FFF2-40B4-BE49-F238E27FC236}">
+                <a16:creationId xmlns:a16="http://schemas.microsoft.com/office/drawing/2014/main" id="{EF9FBAD8-2543-75D8-A8CE-354273D7139D}"/>
+              </a:ext>
+            </a:extLst>
+          </p:cNvPr>
+          <p:cNvSpPr txBox="1"/>
+          <p:nvPr/>
+        </p:nvSpPr>
+        <p:spPr>
+          <a:xfrm>
+            <a:off x="4834660" y="5293663"/>
+            <a:ext cx="1571622" cy="369332"/>
+          </a:xfrm>
+          <a:prstGeom prst="rect">
+            <a:avLst/>
+          </a:prstGeom>
+          <a:noFill/>
+        </p:spPr>
+        <p:txBody>
+          <a:bodyPr wrap="square" rtlCol="0">
+            <a:spAutoFit/>
+          </a:bodyPr>
+          <a:lstStyle/>
+          <a:p>
+            <a:pPr algn="ctr"/>
+            <a:r>
+              <a:rPr lang="en-US" altLang="zh-CN" dirty="0" err="1">
+                <a:sym typeface="+mn-ea"/>
+              </a:rPr>
+              <a:t>VTKReader</a:t>
+            </a:r>
+            <a:endParaRPr lang="x-none" altLang="zh-CN" dirty="0"/>
+          </a:p>
+        </p:txBody>
+      </p:sp>
+      <p:cxnSp>
+        <p:nvCxnSpPr>
+          <p:cNvPr id="49" name="肘形连接符 23">
+            <a:extLst>
+              <a:ext uri="{FF2B5EF4-FFF2-40B4-BE49-F238E27FC236}">
+                <a16:creationId xmlns:a16="http://schemas.microsoft.com/office/drawing/2014/main" id="{1B476776-BE6E-673B-1840-5F0181F01580}"/>
+              </a:ext>
+            </a:extLst>
+          </p:cNvPr>
+          <p:cNvCxnSpPr>
+            <a:cxnSpLocks/>
+            <a:stCxn id="15" idx="2"/>
+            <a:endCxn id="48" idx="0"/>
+          </p:cNvCxnSpPr>
+          <p:nvPr/>
+        </p:nvCxnSpPr>
+        <p:spPr>
+          <a:xfrm rot="5400000">
+            <a:off x="5330126" y="5003316"/>
+            <a:ext cx="580693" cy="1"/>
+          </a:xfrm>
+          <a:prstGeom prst="bentConnector3">
+            <a:avLst>
+              <a:gd name="adj1" fmla="val 50000"/>
             </a:avLst>
           </a:prstGeom>
           <a:ln>
@@ -5089,6 +5344,8 @@
       </a:bgFillStyleLst>
     </a:fmtScheme>
   </a:themeElements>
+  <a:objectDefaults/>
+  <a:extraClrSchemeLst/>
   <a:extLst>
     <a:ext uri="{05A4C25C-085E-4340-85A3-A5531E510DB2}">
       <thm15:themeFamily xmlns:thm15="http://schemas.microsoft.com/office/thememl/2012/main" name="Office Theme" id="{62F939B6-93AF-4DB8-9C6B-D6C7DFDC589F}" vid="{4A3C46E8-61CC-4603-A589-7422A47A8E4A}"/>
@@ -5340,6 +5597,8 @@
       </a:bgFillStyleLst>
     </a:fmtScheme>
   </a:themeElements>
+  <a:objectDefaults/>
+  <a:extraClrSchemeLst/>
   <a:extLst>
     <a:ext uri="{05A4C25C-085E-4340-85A3-A5531E510DB2}">
       <thm15:themeFamily xmlns:thm15="http://schemas.microsoft.com/office/thememl/2012/main" name="Office Theme" id="{62F939B6-93AF-4DB8-9C6B-D6C7DFDC589F}" vid="{4A3C46E8-61CC-4603-A589-7422A47A8E4A}"/>
@@ -5591,6 +5850,8 @@
       </a:bgFillStyleLst>
     </a:fmtScheme>
   </a:themeElements>
+  <a:objectDefaults/>
+  <a:extraClrSchemeLst/>
   <a:extLst>
     <a:ext uri="{05A4C25C-085E-4340-85A3-A5531E510DB2}">
       <thm15:themeFamily xmlns:thm15="http://schemas.microsoft.com/office/thememl/2012/main" name="Office Theme" id="{62F939B6-93AF-4DB8-9C6B-D6C7DFDC589F}" vid="{4A3C46E8-61CC-4603-A589-7422A47A8E4A}"/>
